--- a/ppt 16-9/1325.如鹿渴慕溪水.pptx
+++ b/ppt 16-9/1325.如鹿渴慕溪水.pptx
@@ -5,7 +5,7 @@
     <p:sldMasterId id="2147483648" r:id="rId1"/>
   </p:sldMasterIdLst>
   <p:sldIdLst>
-    <p:sldId id="879" r:id="rId2"/>
+    <p:sldId id="880" r:id="rId2"/>
   </p:sldIdLst>
   <p:sldSz cx="12192000" cy="6858000"/>
   <p:notesSz cx="6858000" cy="9144000"/>
@@ -129,7 +129,7 @@
           <p:cNvPr id="2" name="标题 1">
             <a:extLst>
               <a:ext uri="{FF2B5EF4-FFF2-40B4-BE49-F238E27FC236}">
-                <a16:creationId xmlns:a16="http://schemas.microsoft.com/office/drawing/2014/main" id="{A91A63AA-B90C-D18A-BBA8-A29D7A84343D}"/>
+                <a16:creationId xmlns:a16="http://schemas.microsoft.com/office/drawing/2014/main" id="{C04638E2-77B0-F14B-EF95-BA6CB587B9E0}"/>
               </a:ext>
             </a:extLst>
           </p:cNvPr>
@@ -166,7 +166,7 @@
           <p:cNvPr id="3" name="副标题 2">
             <a:extLst>
               <a:ext uri="{FF2B5EF4-FFF2-40B4-BE49-F238E27FC236}">
-                <a16:creationId xmlns:a16="http://schemas.microsoft.com/office/drawing/2014/main" id="{AF27BD94-7E19-86BB-8D83-934BD996D872}"/>
+                <a16:creationId xmlns:a16="http://schemas.microsoft.com/office/drawing/2014/main" id="{A6993374-DAFF-14A8-52AD-2291D55CB81E}"/>
               </a:ext>
             </a:extLst>
           </p:cNvPr>
@@ -236,7 +236,7 @@
           <p:cNvPr id="4" name="日期占位符 3">
             <a:extLst>
               <a:ext uri="{FF2B5EF4-FFF2-40B4-BE49-F238E27FC236}">
-                <a16:creationId xmlns:a16="http://schemas.microsoft.com/office/drawing/2014/main" id="{84790FC0-485B-D0CD-C6F1-6801152F5312}"/>
+                <a16:creationId xmlns:a16="http://schemas.microsoft.com/office/drawing/2014/main" id="{1709F24B-1E4E-373B-F537-B885A6FB312D}"/>
               </a:ext>
             </a:extLst>
           </p:cNvPr>
@@ -252,7 +252,7 @@
           <a:bodyPr/>
           <a:lstStyle/>
           <a:p>
-            <a:fld id="{384EF6C4-81A5-4484-8A4C-736EBDDF6E28}" type="datetimeFigureOut">
+            <a:fld id="{6529B5E2-645E-4A9C-851D-99D783502959}" type="datetimeFigureOut">
               <a:rPr lang="zh-CN" altLang="en-US" smtClean="0"/>
               <a:t>2024/3/10</a:t>
             </a:fld>
@@ -265,7 +265,7 @@
           <p:cNvPr id="5" name="页脚占位符 4">
             <a:extLst>
               <a:ext uri="{FF2B5EF4-FFF2-40B4-BE49-F238E27FC236}">
-                <a16:creationId xmlns:a16="http://schemas.microsoft.com/office/drawing/2014/main" id="{F3A0FC81-7307-F46A-F6B4-A5DED2099CC0}"/>
+                <a16:creationId xmlns:a16="http://schemas.microsoft.com/office/drawing/2014/main" id="{520438CB-6D5E-C9FB-741D-6490595D9315}"/>
               </a:ext>
             </a:extLst>
           </p:cNvPr>
@@ -290,7 +290,7 @@
           <p:cNvPr id="6" name="灯片编号占位符 5">
             <a:extLst>
               <a:ext uri="{FF2B5EF4-FFF2-40B4-BE49-F238E27FC236}">
-                <a16:creationId xmlns:a16="http://schemas.microsoft.com/office/drawing/2014/main" id="{4C9E186C-3479-B052-CD6F-1C0573C26598}"/>
+                <a16:creationId xmlns:a16="http://schemas.microsoft.com/office/drawing/2014/main" id="{9873A972-E40E-A97C-3660-801C67035BAB}"/>
               </a:ext>
             </a:extLst>
           </p:cNvPr>
@@ -306,7 +306,7 @@
           <a:bodyPr/>
           <a:lstStyle/>
           <a:p>
-            <a:fld id="{C474EB57-6483-4227-842E-6A41ECDF3470}" type="slidenum">
+            <a:fld id="{0AA50779-ED55-41A6-8474-0B612144268D}" type="slidenum">
               <a:rPr lang="zh-CN" altLang="en-US" smtClean="0"/>
               <a:t>‹#›</a:t>
             </a:fld>
@@ -317,7 +317,7 @@
     </p:spTree>
     <p:extLst>
       <p:ext uri="{BB962C8B-B14F-4D97-AF65-F5344CB8AC3E}">
-        <p14:creationId xmlns:p14="http://schemas.microsoft.com/office/powerpoint/2010/main" val="2818534040"/>
+        <p14:creationId xmlns:p14="http://schemas.microsoft.com/office/powerpoint/2010/main" val="801373764"/>
       </p:ext>
     </p:extLst>
   </p:cSld>
@@ -349,7 +349,7 @@
           <p:cNvPr id="2" name="标题 1">
             <a:extLst>
               <a:ext uri="{FF2B5EF4-FFF2-40B4-BE49-F238E27FC236}">
-                <a16:creationId xmlns:a16="http://schemas.microsoft.com/office/drawing/2014/main" id="{C874C7E9-710A-6AF3-173C-2D6A1269E349}"/>
+                <a16:creationId xmlns:a16="http://schemas.microsoft.com/office/drawing/2014/main" id="{5CAB6B47-290E-02CB-37BC-EE51FAB95120}"/>
               </a:ext>
             </a:extLst>
           </p:cNvPr>
@@ -377,7 +377,7 @@
           <p:cNvPr id="3" name="竖排文字占位符 2">
             <a:extLst>
               <a:ext uri="{FF2B5EF4-FFF2-40B4-BE49-F238E27FC236}">
-                <a16:creationId xmlns:a16="http://schemas.microsoft.com/office/drawing/2014/main" id="{3144AF4E-4E7B-AFB9-210B-DEAE683273D5}"/>
+                <a16:creationId xmlns:a16="http://schemas.microsoft.com/office/drawing/2014/main" id="{87A1F39D-07C4-658A-B05E-E19DB482AC64}"/>
               </a:ext>
             </a:extLst>
           </p:cNvPr>
@@ -434,7 +434,7 @@
           <p:cNvPr id="4" name="日期占位符 3">
             <a:extLst>
               <a:ext uri="{FF2B5EF4-FFF2-40B4-BE49-F238E27FC236}">
-                <a16:creationId xmlns:a16="http://schemas.microsoft.com/office/drawing/2014/main" id="{A79265E0-2316-3532-B34A-A2C783B73764}"/>
+                <a16:creationId xmlns:a16="http://schemas.microsoft.com/office/drawing/2014/main" id="{3260AA0C-8ED4-61C4-7141-3209E003F44F}"/>
               </a:ext>
             </a:extLst>
           </p:cNvPr>
@@ -450,7 +450,7 @@
           <a:bodyPr/>
           <a:lstStyle/>
           <a:p>
-            <a:fld id="{384EF6C4-81A5-4484-8A4C-736EBDDF6E28}" type="datetimeFigureOut">
+            <a:fld id="{6529B5E2-645E-4A9C-851D-99D783502959}" type="datetimeFigureOut">
               <a:rPr lang="zh-CN" altLang="en-US" smtClean="0"/>
               <a:t>2024/3/10</a:t>
             </a:fld>
@@ -463,7 +463,7 @@
           <p:cNvPr id="5" name="页脚占位符 4">
             <a:extLst>
               <a:ext uri="{FF2B5EF4-FFF2-40B4-BE49-F238E27FC236}">
-                <a16:creationId xmlns:a16="http://schemas.microsoft.com/office/drawing/2014/main" id="{3296AA27-C875-4F59-0C0C-97672752F6E7}"/>
+                <a16:creationId xmlns:a16="http://schemas.microsoft.com/office/drawing/2014/main" id="{78569CBC-5F49-7C93-6E93-1E7F1AFA0A45}"/>
               </a:ext>
             </a:extLst>
           </p:cNvPr>
@@ -488,7 +488,7 @@
           <p:cNvPr id="6" name="灯片编号占位符 5">
             <a:extLst>
               <a:ext uri="{FF2B5EF4-FFF2-40B4-BE49-F238E27FC236}">
-                <a16:creationId xmlns:a16="http://schemas.microsoft.com/office/drawing/2014/main" id="{ACC241AC-A5D7-EAAD-B8B1-DFD230D100AB}"/>
+                <a16:creationId xmlns:a16="http://schemas.microsoft.com/office/drawing/2014/main" id="{F19ABB98-4782-5DD0-372D-4C7E758582F6}"/>
               </a:ext>
             </a:extLst>
           </p:cNvPr>
@@ -504,7 +504,7 @@
           <a:bodyPr/>
           <a:lstStyle/>
           <a:p>
-            <a:fld id="{C474EB57-6483-4227-842E-6A41ECDF3470}" type="slidenum">
+            <a:fld id="{0AA50779-ED55-41A6-8474-0B612144268D}" type="slidenum">
               <a:rPr lang="zh-CN" altLang="en-US" smtClean="0"/>
               <a:t>‹#›</a:t>
             </a:fld>
@@ -515,7 +515,7 @@
     </p:spTree>
     <p:extLst>
       <p:ext uri="{BB962C8B-B14F-4D97-AF65-F5344CB8AC3E}">
-        <p14:creationId xmlns:p14="http://schemas.microsoft.com/office/powerpoint/2010/main" val="1846143097"/>
+        <p14:creationId xmlns:p14="http://schemas.microsoft.com/office/powerpoint/2010/main" val="1816556289"/>
       </p:ext>
     </p:extLst>
   </p:cSld>
@@ -547,7 +547,7 @@
           <p:cNvPr id="2" name="竖排标题 1">
             <a:extLst>
               <a:ext uri="{FF2B5EF4-FFF2-40B4-BE49-F238E27FC236}">
-                <a16:creationId xmlns:a16="http://schemas.microsoft.com/office/drawing/2014/main" id="{891CFC74-A9CC-2C1F-CF61-0A2D984F3B5D}"/>
+                <a16:creationId xmlns:a16="http://schemas.microsoft.com/office/drawing/2014/main" id="{D1DF89D9-490E-8C43-DC64-D94A3C030F70}"/>
               </a:ext>
             </a:extLst>
           </p:cNvPr>
@@ -580,7 +580,7 @@
           <p:cNvPr id="3" name="竖排文字占位符 2">
             <a:extLst>
               <a:ext uri="{FF2B5EF4-FFF2-40B4-BE49-F238E27FC236}">
-                <a16:creationId xmlns:a16="http://schemas.microsoft.com/office/drawing/2014/main" id="{DA2D434E-CC77-44E5-EBB7-561A428A0AED}"/>
+                <a16:creationId xmlns:a16="http://schemas.microsoft.com/office/drawing/2014/main" id="{967029DB-307E-5E0B-8C7E-488984F1D1CA}"/>
               </a:ext>
             </a:extLst>
           </p:cNvPr>
@@ -642,7 +642,7 @@
           <p:cNvPr id="4" name="日期占位符 3">
             <a:extLst>
               <a:ext uri="{FF2B5EF4-FFF2-40B4-BE49-F238E27FC236}">
-                <a16:creationId xmlns:a16="http://schemas.microsoft.com/office/drawing/2014/main" id="{1F40F63C-214E-AEEC-3C2B-5791B588CE7D}"/>
+                <a16:creationId xmlns:a16="http://schemas.microsoft.com/office/drawing/2014/main" id="{D937C6E3-1F29-1344-EDC8-98EAAD1ABDB3}"/>
               </a:ext>
             </a:extLst>
           </p:cNvPr>
@@ -658,7 +658,7 @@
           <a:bodyPr/>
           <a:lstStyle/>
           <a:p>
-            <a:fld id="{384EF6C4-81A5-4484-8A4C-736EBDDF6E28}" type="datetimeFigureOut">
+            <a:fld id="{6529B5E2-645E-4A9C-851D-99D783502959}" type="datetimeFigureOut">
               <a:rPr lang="zh-CN" altLang="en-US" smtClean="0"/>
               <a:t>2024/3/10</a:t>
             </a:fld>
@@ -671,7 +671,7 @@
           <p:cNvPr id="5" name="页脚占位符 4">
             <a:extLst>
               <a:ext uri="{FF2B5EF4-FFF2-40B4-BE49-F238E27FC236}">
-                <a16:creationId xmlns:a16="http://schemas.microsoft.com/office/drawing/2014/main" id="{59C54577-F80B-D3EE-4497-2E8B5125DB0B}"/>
+                <a16:creationId xmlns:a16="http://schemas.microsoft.com/office/drawing/2014/main" id="{7409AE16-C0F8-7A56-AFD0-8FE1D698D810}"/>
               </a:ext>
             </a:extLst>
           </p:cNvPr>
@@ -696,7 +696,7 @@
           <p:cNvPr id="6" name="灯片编号占位符 5">
             <a:extLst>
               <a:ext uri="{FF2B5EF4-FFF2-40B4-BE49-F238E27FC236}">
-                <a16:creationId xmlns:a16="http://schemas.microsoft.com/office/drawing/2014/main" id="{D656EB80-4110-AB49-8805-173E68E28660}"/>
+                <a16:creationId xmlns:a16="http://schemas.microsoft.com/office/drawing/2014/main" id="{463BAF9E-B96F-E4FB-F41D-D02F55838C2E}"/>
               </a:ext>
             </a:extLst>
           </p:cNvPr>
@@ -712,7 +712,7 @@
           <a:bodyPr/>
           <a:lstStyle/>
           <a:p>
-            <a:fld id="{C474EB57-6483-4227-842E-6A41ECDF3470}" type="slidenum">
+            <a:fld id="{0AA50779-ED55-41A6-8474-0B612144268D}" type="slidenum">
               <a:rPr lang="zh-CN" altLang="en-US" smtClean="0"/>
               <a:t>‹#›</a:t>
             </a:fld>
@@ -723,7 +723,7 @@
     </p:spTree>
     <p:extLst>
       <p:ext uri="{BB962C8B-B14F-4D97-AF65-F5344CB8AC3E}">
-        <p14:creationId xmlns:p14="http://schemas.microsoft.com/office/powerpoint/2010/main" val="275767389"/>
+        <p14:creationId xmlns:p14="http://schemas.microsoft.com/office/powerpoint/2010/main" val="2091388405"/>
       </p:ext>
     </p:extLst>
   </p:cSld>
@@ -755,7 +755,7 @@
           <p:cNvPr id="2" name="标题 1">
             <a:extLst>
               <a:ext uri="{FF2B5EF4-FFF2-40B4-BE49-F238E27FC236}">
-                <a16:creationId xmlns:a16="http://schemas.microsoft.com/office/drawing/2014/main" id="{D4B7C969-EF60-4498-6EBD-F30E894CBD0B}"/>
+                <a16:creationId xmlns:a16="http://schemas.microsoft.com/office/drawing/2014/main" id="{E2E59B7E-1E07-70A3-9EDD-6E0B633DE524}"/>
               </a:ext>
             </a:extLst>
           </p:cNvPr>
@@ -783,7 +783,7 @@
           <p:cNvPr id="3" name="内容占位符 2">
             <a:extLst>
               <a:ext uri="{FF2B5EF4-FFF2-40B4-BE49-F238E27FC236}">
-                <a16:creationId xmlns:a16="http://schemas.microsoft.com/office/drawing/2014/main" id="{26FA05DD-4053-9609-F54A-C7FE5C9F3C42}"/>
+                <a16:creationId xmlns:a16="http://schemas.microsoft.com/office/drawing/2014/main" id="{002A9E3F-02BC-36EE-8C74-7D4F1658DF1B}"/>
               </a:ext>
             </a:extLst>
           </p:cNvPr>
@@ -840,7 +840,7 @@
           <p:cNvPr id="4" name="日期占位符 3">
             <a:extLst>
               <a:ext uri="{FF2B5EF4-FFF2-40B4-BE49-F238E27FC236}">
-                <a16:creationId xmlns:a16="http://schemas.microsoft.com/office/drawing/2014/main" id="{D08D7AAA-4E05-9362-1BCB-5DFFBD34ED00}"/>
+                <a16:creationId xmlns:a16="http://schemas.microsoft.com/office/drawing/2014/main" id="{B8182DD2-E508-FB82-4036-50CCF481482F}"/>
               </a:ext>
             </a:extLst>
           </p:cNvPr>
@@ -856,7 +856,7 @@
           <a:bodyPr/>
           <a:lstStyle/>
           <a:p>
-            <a:fld id="{384EF6C4-81A5-4484-8A4C-736EBDDF6E28}" type="datetimeFigureOut">
+            <a:fld id="{6529B5E2-645E-4A9C-851D-99D783502959}" type="datetimeFigureOut">
               <a:rPr lang="zh-CN" altLang="en-US" smtClean="0"/>
               <a:t>2024/3/10</a:t>
             </a:fld>
@@ -869,7 +869,7 @@
           <p:cNvPr id="5" name="页脚占位符 4">
             <a:extLst>
               <a:ext uri="{FF2B5EF4-FFF2-40B4-BE49-F238E27FC236}">
-                <a16:creationId xmlns:a16="http://schemas.microsoft.com/office/drawing/2014/main" id="{CFD87733-4D84-23AB-663C-4C614C19DB86}"/>
+                <a16:creationId xmlns:a16="http://schemas.microsoft.com/office/drawing/2014/main" id="{7B466D31-B960-91C2-EE8B-29F6938E6C4E}"/>
               </a:ext>
             </a:extLst>
           </p:cNvPr>
@@ -894,7 +894,7 @@
           <p:cNvPr id="6" name="灯片编号占位符 5">
             <a:extLst>
               <a:ext uri="{FF2B5EF4-FFF2-40B4-BE49-F238E27FC236}">
-                <a16:creationId xmlns:a16="http://schemas.microsoft.com/office/drawing/2014/main" id="{D9E100FA-1B99-BCF3-7CFA-F9603718383B}"/>
+                <a16:creationId xmlns:a16="http://schemas.microsoft.com/office/drawing/2014/main" id="{04190FF7-ED64-54D1-7D2B-1505665B66A1}"/>
               </a:ext>
             </a:extLst>
           </p:cNvPr>
@@ -910,7 +910,7 @@
           <a:bodyPr/>
           <a:lstStyle/>
           <a:p>
-            <a:fld id="{C474EB57-6483-4227-842E-6A41ECDF3470}" type="slidenum">
+            <a:fld id="{0AA50779-ED55-41A6-8474-0B612144268D}" type="slidenum">
               <a:rPr lang="zh-CN" altLang="en-US" smtClean="0"/>
               <a:t>‹#›</a:t>
             </a:fld>
@@ -921,7 +921,7 @@
     </p:spTree>
     <p:extLst>
       <p:ext uri="{BB962C8B-B14F-4D97-AF65-F5344CB8AC3E}">
-        <p14:creationId xmlns:p14="http://schemas.microsoft.com/office/powerpoint/2010/main" val="1216918602"/>
+        <p14:creationId xmlns:p14="http://schemas.microsoft.com/office/powerpoint/2010/main" val="3718573874"/>
       </p:ext>
     </p:extLst>
   </p:cSld>
@@ -953,7 +953,7 @@
           <p:cNvPr id="2" name="标题 1">
             <a:extLst>
               <a:ext uri="{FF2B5EF4-FFF2-40B4-BE49-F238E27FC236}">
-                <a16:creationId xmlns:a16="http://schemas.microsoft.com/office/drawing/2014/main" id="{866928FA-D188-39D7-C91A-6572366FA581}"/>
+                <a16:creationId xmlns:a16="http://schemas.microsoft.com/office/drawing/2014/main" id="{C5440EDD-7FFA-651F-DA9C-67C2E5CF5806}"/>
               </a:ext>
             </a:extLst>
           </p:cNvPr>
@@ -990,7 +990,7 @@
           <p:cNvPr id="3" name="文本占位符 2">
             <a:extLst>
               <a:ext uri="{FF2B5EF4-FFF2-40B4-BE49-F238E27FC236}">
-                <a16:creationId xmlns:a16="http://schemas.microsoft.com/office/drawing/2014/main" id="{3C1E0E13-B470-2B72-3709-9DF790AB3037}"/>
+                <a16:creationId xmlns:a16="http://schemas.microsoft.com/office/drawing/2014/main" id="{C4E9CB5C-88A5-CA4B-08AB-B1A180277563}"/>
               </a:ext>
             </a:extLst>
           </p:cNvPr>
@@ -1115,7 +1115,7 @@
           <p:cNvPr id="4" name="日期占位符 3">
             <a:extLst>
               <a:ext uri="{FF2B5EF4-FFF2-40B4-BE49-F238E27FC236}">
-                <a16:creationId xmlns:a16="http://schemas.microsoft.com/office/drawing/2014/main" id="{E3634AAD-CC5B-9A6C-62BA-E6F7D2AA3158}"/>
+                <a16:creationId xmlns:a16="http://schemas.microsoft.com/office/drawing/2014/main" id="{4560379F-EBDA-759C-05F5-AC9D6105E734}"/>
               </a:ext>
             </a:extLst>
           </p:cNvPr>
@@ -1131,7 +1131,7 @@
           <a:bodyPr/>
           <a:lstStyle/>
           <a:p>
-            <a:fld id="{384EF6C4-81A5-4484-8A4C-736EBDDF6E28}" type="datetimeFigureOut">
+            <a:fld id="{6529B5E2-645E-4A9C-851D-99D783502959}" type="datetimeFigureOut">
               <a:rPr lang="zh-CN" altLang="en-US" smtClean="0"/>
               <a:t>2024/3/10</a:t>
             </a:fld>
@@ -1144,7 +1144,7 @@
           <p:cNvPr id="5" name="页脚占位符 4">
             <a:extLst>
               <a:ext uri="{FF2B5EF4-FFF2-40B4-BE49-F238E27FC236}">
-                <a16:creationId xmlns:a16="http://schemas.microsoft.com/office/drawing/2014/main" id="{6D9F642C-007B-60D8-0370-A70474D55FE0}"/>
+                <a16:creationId xmlns:a16="http://schemas.microsoft.com/office/drawing/2014/main" id="{CD5F4728-B35E-2370-8B0E-B5AC2457FA3A}"/>
               </a:ext>
             </a:extLst>
           </p:cNvPr>
@@ -1169,7 +1169,7 @@
           <p:cNvPr id="6" name="灯片编号占位符 5">
             <a:extLst>
               <a:ext uri="{FF2B5EF4-FFF2-40B4-BE49-F238E27FC236}">
-                <a16:creationId xmlns:a16="http://schemas.microsoft.com/office/drawing/2014/main" id="{BE571B5A-9F3F-D3CB-6873-44B833FD73CA}"/>
+                <a16:creationId xmlns:a16="http://schemas.microsoft.com/office/drawing/2014/main" id="{27D4D17B-4C40-0050-A7D1-F525812DFDCE}"/>
               </a:ext>
             </a:extLst>
           </p:cNvPr>
@@ -1185,7 +1185,7 @@
           <a:bodyPr/>
           <a:lstStyle/>
           <a:p>
-            <a:fld id="{C474EB57-6483-4227-842E-6A41ECDF3470}" type="slidenum">
+            <a:fld id="{0AA50779-ED55-41A6-8474-0B612144268D}" type="slidenum">
               <a:rPr lang="zh-CN" altLang="en-US" smtClean="0"/>
               <a:t>‹#›</a:t>
             </a:fld>
@@ -1196,7 +1196,7 @@
     </p:spTree>
     <p:extLst>
       <p:ext uri="{BB962C8B-B14F-4D97-AF65-F5344CB8AC3E}">
-        <p14:creationId xmlns:p14="http://schemas.microsoft.com/office/powerpoint/2010/main" val="2497117542"/>
+        <p14:creationId xmlns:p14="http://schemas.microsoft.com/office/powerpoint/2010/main" val="3830923348"/>
       </p:ext>
     </p:extLst>
   </p:cSld>
@@ -1228,7 +1228,7 @@
           <p:cNvPr id="2" name="标题 1">
             <a:extLst>
               <a:ext uri="{FF2B5EF4-FFF2-40B4-BE49-F238E27FC236}">
-                <a16:creationId xmlns:a16="http://schemas.microsoft.com/office/drawing/2014/main" id="{93905020-52DB-1FC6-8F77-91F8F0D6421E}"/>
+                <a16:creationId xmlns:a16="http://schemas.microsoft.com/office/drawing/2014/main" id="{10C8D2AA-E442-9146-ACC4-EB80879D514B}"/>
               </a:ext>
             </a:extLst>
           </p:cNvPr>
@@ -1256,7 +1256,7 @@
           <p:cNvPr id="3" name="内容占位符 2">
             <a:extLst>
               <a:ext uri="{FF2B5EF4-FFF2-40B4-BE49-F238E27FC236}">
-                <a16:creationId xmlns:a16="http://schemas.microsoft.com/office/drawing/2014/main" id="{09498861-6A0D-7F4C-BDD3-7DD0D5C3F048}"/>
+                <a16:creationId xmlns:a16="http://schemas.microsoft.com/office/drawing/2014/main" id="{487B99CA-F0C5-86DD-94CC-5054FE538730}"/>
               </a:ext>
             </a:extLst>
           </p:cNvPr>
@@ -1318,7 +1318,7 @@
           <p:cNvPr id="4" name="内容占位符 3">
             <a:extLst>
               <a:ext uri="{FF2B5EF4-FFF2-40B4-BE49-F238E27FC236}">
-                <a16:creationId xmlns:a16="http://schemas.microsoft.com/office/drawing/2014/main" id="{993BFA74-E096-2950-C170-DDE9381F36EF}"/>
+                <a16:creationId xmlns:a16="http://schemas.microsoft.com/office/drawing/2014/main" id="{B7429BD9-A585-D92C-BA15-D715DEFFFD33}"/>
               </a:ext>
             </a:extLst>
           </p:cNvPr>
@@ -1380,7 +1380,7 @@
           <p:cNvPr id="5" name="日期占位符 4">
             <a:extLst>
               <a:ext uri="{FF2B5EF4-FFF2-40B4-BE49-F238E27FC236}">
-                <a16:creationId xmlns:a16="http://schemas.microsoft.com/office/drawing/2014/main" id="{61879D48-9A82-756D-90D4-9177BFFD6090}"/>
+                <a16:creationId xmlns:a16="http://schemas.microsoft.com/office/drawing/2014/main" id="{9E3030A5-6679-B3FA-FA3C-64CE157580EC}"/>
               </a:ext>
             </a:extLst>
           </p:cNvPr>
@@ -1396,7 +1396,7 @@
           <a:bodyPr/>
           <a:lstStyle/>
           <a:p>
-            <a:fld id="{384EF6C4-81A5-4484-8A4C-736EBDDF6E28}" type="datetimeFigureOut">
+            <a:fld id="{6529B5E2-645E-4A9C-851D-99D783502959}" type="datetimeFigureOut">
               <a:rPr lang="zh-CN" altLang="en-US" smtClean="0"/>
               <a:t>2024/3/10</a:t>
             </a:fld>
@@ -1409,7 +1409,7 @@
           <p:cNvPr id="6" name="页脚占位符 5">
             <a:extLst>
               <a:ext uri="{FF2B5EF4-FFF2-40B4-BE49-F238E27FC236}">
-                <a16:creationId xmlns:a16="http://schemas.microsoft.com/office/drawing/2014/main" id="{8AAB452A-B302-F15B-F9A7-EF700C39E7B5}"/>
+                <a16:creationId xmlns:a16="http://schemas.microsoft.com/office/drawing/2014/main" id="{5E79965A-8678-FD74-7170-D1845266F590}"/>
               </a:ext>
             </a:extLst>
           </p:cNvPr>
@@ -1434,7 +1434,7 @@
           <p:cNvPr id="7" name="灯片编号占位符 6">
             <a:extLst>
               <a:ext uri="{FF2B5EF4-FFF2-40B4-BE49-F238E27FC236}">
-                <a16:creationId xmlns:a16="http://schemas.microsoft.com/office/drawing/2014/main" id="{B44A8734-F914-D3BE-7726-E5D300927725}"/>
+                <a16:creationId xmlns:a16="http://schemas.microsoft.com/office/drawing/2014/main" id="{6A343C4A-B599-6DFF-15CC-02AAE08B07E9}"/>
               </a:ext>
             </a:extLst>
           </p:cNvPr>
@@ -1450,7 +1450,7 @@
           <a:bodyPr/>
           <a:lstStyle/>
           <a:p>
-            <a:fld id="{C474EB57-6483-4227-842E-6A41ECDF3470}" type="slidenum">
+            <a:fld id="{0AA50779-ED55-41A6-8474-0B612144268D}" type="slidenum">
               <a:rPr lang="zh-CN" altLang="en-US" smtClean="0"/>
               <a:t>‹#›</a:t>
             </a:fld>
@@ -1461,7 +1461,7 @@
     </p:spTree>
     <p:extLst>
       <p:ext uri="{BB962C8B-B14F-4D97-AF65-F5344CB8AC3E}">
-        <p14:creationId xmlns:p14="http://schemas.microsoft.com/office/powerpoint/2010/main" val="1534217225"/>
+        <p14:creationId xmlns:p14="http://schemas.microsoft.com/office/powerpoint/2010/main" val="2754899538"/>
       </p:ext>
     </p:extLst>
   </p:cSld>
@@ -1493,7 +1493,7 @@
           <p:cNvPr id="2" name="标题 1">
             <a:extLst>
               <a:ext uri="{FF2B5EF4-FFF2-40B4-BE49-F238E27FC236}">
-                <a16:creationId xmlns:a16="http://schemas.microsoft.com/office/drawing/2014/main" id="{D619949F-0C01-E860-C5D0-79DC12E0A42E}"/>
+                <a16:creationId xmlns:a16="http://schemas.microsoft.com/office/drawing/2014/main" id="{8D389F05-B0F2-28FD-2F09-15D821782D69}"/>
               </a:ext>
             </a:extLst>
           </p:cNvPr>
@@ -1526,7 +1526,7 @@
           <p:cNvPr id="3" name="文本占位符 2">
             <a:extLst>
               <a:ext uri="{FF2B5EF4-FFF2-40B4-BE49-F238E27FC236}">
-                <a16:creationId xmlns:a16="http://schemas.microsoft.com/office/drawing/2014/main" id="{F41F6156-38D9-A1C5-B5CA-30DB5556D5E5}"/>
+                <a16:creationId xmlns:a16="http://schemas.microsoft.com/office/drawing/2014/main" id="{C8461C95-88EB-CE16-9884-02A0008A7EBC}"/>
               </a:ext>
             </a:extLst>
           </p:cNvPr>
@@ -1597,7 +1597,7 @@
           <p:cNvPr id="4" name="内容占位符 3">
             <a:extLst>
               <a:ext uri="{FF2B5EF4-FFF2-40B4-BE49-F238E27FC236}">
-                <a16:creationId xmlns:a16="http://schemas.microsoft.com/office/drawing/2014/main" id="{CA432ECC-C477-D9C7-D36F-6D3D1F8F8FA2}"/>
+                <a16:creationId xmlns:a16="http://schemas.microsoft.com/office/drawing/2014/main" id="{77B131CC-BF32-824A-D36E-0D7F6BA720F7}"/>
               </a:ext>
             </a:extLst>
           </p:cNvPr>
@@ -1659,7 +1659,7 @@
           <p:cNvPr id="5" name="文本占位符 4">
             <a:extLst>
               <a:ext uri="{FF2B5EF4-FFF2-40B4-BE49-F238E27FC236}">
-                <a16:creationId xmlns:a16="http://schemas.microsoft.com/office/drawing/2014/main" id="{53E31D38-7C01-795F-5708-DE64CEF9B063}"/>
+                <a16:creationId xmlns:a16="http://schemas.microsoft.com/office/drawing/2014/main" id="{C68A034C-491D-09FA-6B1A-35B2448C05FE}"/>
               </a:ext>
             </a:extLst>
           </p:cNvPr>
@@ -1730,7 +1730,7 @@
           <p:cNvPr id="6" name="内容占位符 5">
             <a:extLst>
               <a:ext uri="{FF2B5EF4-FFF2-40B4-BE49-F238E27FC236}">
-                <a16:creationId xmlns:a16="http://schemas.microsoft.com/office/drawing/2014/main" id="{05C3267E-4FC0-B875-87EF-57C58AEF47C8}"/>
+                <a16:creationId xmlns:a16="http://schemas.microsoft.com/office/drawing/2014/main" id="{FB0DCEFE-76E5-42A8-E3C2-884066989BCE}"/>
               </a:ext>
             </a:extLst>
           </p:cNvPr>
@@ -1792,7 +1792,7 @@
           <p:cNvPr id="7" name="日期占位符 6">
             <a:extLst>
               <a:ext uri="{FF2B5EF4-FFF2-40B4-BE49-F238E27FC236}">
-                <a16:creationId xmlns:a16="http://schemas.microsoft.com/office/drawing/2014/main" id="{556496F4-BF02-B896-E532-BA68160D999D}"/>
+                <a16:creationId xmlns:a16="http://schemas.microsoft.com/office/drawing/2014/main" id="{DD98E6D7-5145-4863-B445-E30E5C343DE0}"/>
               </a:ext>
             </a:extLst>
           </p:cNvPr>
@@ -1808,7 +1808,7 @@
           <a:bodyPr/>
           <a:lstStyle/>
           <a:p>
-            <a:fld id="{384EF6C4-81A5-4484-8A4C-736EBDDF6E28}" type="datetimeFigureOut">
+            <a:fld id="{6529B5E2-645E-4A9C-851D-99D783502959}" type="datetimeFigureOut">
               <a:rPr lang="zh-CN" altLang="en-US" smtClean="0"/>
               <a:t>2024/3/10</a:t>
             </a:fld>
@@ -1821,7 +1821,7 @@
           <p:cNvPr id="8" name="页脚占位符 7">
             <a:extLst>
               <a:ext uri="{FF2B5EF4-FFF2-40B4-BE49-F238E27FC236}">
-                <a16:creationId xmlns:a16="http://schemas.microsoft.com/office/drawing/2014/main" id="{47C09791-9545-2D23-4588-E32AEF2F505D}"/>
+                <a16:creationId xmlns:a16="http://schemas.microsoft.com/office/drawing/2014/main" id="{3D9563CB-4DD0-5047-7A54-F8032A866C94}"/>
               </a:ext>
             </a:extLst>
           </p:cNvPr>
@@ -1846,7 +1846,7 @@
           <p:cNvPr id="9" name="灯片编号占位符 8">
             <a:extLst>
               <a:ext uri="{FF2B5EF4-FFF2-40B4-BE49-F238E27FC236}">
-                <a16:creationId xmlns:a16="http://schemas.microsoft.com/office/drawing/2014/main" id="{BDA45A26-AB2E-45A6-E9B9-FE808E695A37}"/>
+                <a16:creationId xmlns:a16="http://schemas.microsoft.com/office/drawing/2014/main" id="{19A416A9-12C5-5825-3300-05974CE3077F}"/>
               </a:ext>
             </a:extLst>
           </p:cNvPr>
@@ -1862,7 +1862,7 @@
           <a:bodyPr/>
           <a:lstStyle/>
           <a:p>
-            <a:fld id="{C474EB57-6483-4227-842E-6A41ECDF3470}" type="slidenum">
+            <a:fld id="{0AA50779-ED55-41A6-8474-0B612144268D}" type="slidenum">
               <a:rPr lang="zh-CN" altLang="en-US" smtClean="0"/>
               <a:t>‹#›</a:t>
             </a:fld>
@@ -1873,7 +1873,7 @@
     </p:spTree>
     <p:extLst>
       <p:ext uri="{BB962C8B-B14F-4D97-AF65-F5344CB8AC3E}">
-        <p14:creationId xmlns:p14="http://schemas.microsoft.com/office/powerpoint/2010/main" val="1950054090"/>
+        <p14:creationId xmlns:p14="http://schemas.microsoft.com/office/powerpoint/2010/main" val="1563355808"/>
       </p:ext>
     </p:extLst>
   </p:cSld>
@@ -1905,7 +1905,7 @@
           <p:cNvPr id="2" name="标题 1">
             <a:extLst>
               <a:ext uri="{FF2B5EF4-FFF2-40B4-BE49-F238E27FC236}">
-                <a16:creationId xmlns:a16="http://schemas.microsoft.com/office/drawing/2014/main" id="{BDE9F36E-975C-4986-35DE-B6D829B25926}"/>
+                <a16:creationId xmlns:a16="http://schemas.microsoft.com/office/drawing/2014/main" id="{E0340DF7-D793-D6CA-A9EB-741E40CCE41F}"/>
               </a:ext>
             </a:extLst>
           </p:cNvPr>
@@ -1933,7 +1933,7 @@
           <p:cNvPr id="3" name="日期占位符 2">
             <a:extLst>
               <a:ext uri="{FF2B5EF4-FFF2-40B4-BE49-F238E27FC236}">
-                <a16:creationId xmlns:a16="http://schemas.microsoft.com/office/drawing/2014/main" id="{641E0A9F-337F-991D-B68E-D09AD6398268}"/>
+                <a16:creationId xmlns:a16="http://schemas.microsoft.com/office/drawing/2014/main" id="{D2AC7B4E-447B-7D29-D27F-F9903AA00EA9}"/>
               </a:ext>
             </a:extLst>
           </p:cNvPr>
@@ -1949,7 +1949,7 @@
           <a:bodyPr/>
           <a:lstStyle/>
           <a:p>
-            <a:fld id="{384EF6C4-81A5-4484-8A4C-736EBDDF6E28}" type="datetimeFigureOut">
+            <a:fld id="{6529B5E2-645E-4A9C-851D-99D783502959}" type="datetimeFigureOut">
               <a:rPr lang="zh-CN" altLang="en-US" smtClean="0"/>
               <a:t>2024/3/10</a:t>
             </a:fld>
@@ -1962,7 +1962,7 @@
           <p:cNvPr id="4" name="页脚占位符 3">
             <a:extLst>
               <a:ext uri="{FF2B5EF4-FFF2-40B4-BE49-F238E27FC236}">
-                <a16:creationId xmlns:a16="http://schemas.microsoft.com/office/drawing/2014/main" id="{8A2B3760-9C4E-B96A-5609-11537E8AC7B4}"/>
+                <a16:creationId xmlns:a16="http://schemas.microsoft.com/office/drawing/2014/main" id="{876A1B17-F6EE-00B2-CC44-E2E119DDF6A2}"/>
               </a:ext>
             </a:extLst>
           </p:cNvPr>
@@ -1987,7 +1987,7 @@
           <p:cNvPr id="5" name="灯片编号占位符 4">
             <a:extLst>
               <a:ext uri="{FF2B5EF4-FFF2-40B4-BE49-F238E27FC236}">
-                <a16:creationId xmlns:a16="http://schemas.microsoft.com/office/drawing/2014/main" id="{D4480DD9-5DF3-BB5A-BE9F-374764E3E7CE}"/>
+                <a16:creationId xmlns:a16="http://schemas.microsoft.com/office/drawing/2014/main" id="{F8FF6499-ED6C-5709-5883-686DCAF8ECF5}"/>
               </a:ext>
             </a:extLst>
           </p:cNvPr>
@@ -2003,7 +2003,7 @@
           <a:bodyPr/>
           <a:lstStyle/>
           <a:p>
-            <a:fld id="{C474EB57-6483-4227-842E-6A41ECDF3470}" type="slidenum">
+            <a:fld id="{0AA50779-ED55-41A6-8474-0B612144268D}" type="slidenum">
               <a:rPr lang="zh-CN" altLang="en-US" smtClean="0"/>
               <a:t>‹#›</a:t>
             </a:fld>
@@ -2014,7 +2014,7 @@
     </p:spTree>
     <p:extLst>
       <p:ext uri="{BB962C8B-B14F-4D97-AF65-F5344CB8AC3E}">
-        <p14:creationId xmlns:p14="http://schemas.microsoft.com/office/powerpoint/2010/main" val="2150455822"/>
+        <p14:creationId xmlns:p14="http://schemas.microsoft.com/office/powerpoint/2010/main" val="3939698551"/>
       </p:ext>
     </p:extLst>
   </p:cSld>
@@ -2046,7 +2046,7 @@
           <p:cNvPr id="2" name="日期占位符 1">
             <a:extLst>
               <a:ext uri="{FF2B5EF4-FFF2-40B4-BE49-F238E27FC236}">
-                <a16:creationId xmlns:a16="http://schemas.microsoft.com/office/drawing/2014/main" id="{2C29F362-3A01-34DC-AD66-DD36C8401CAE}"/>
+                <a16:creationId xmlns:a16="http://schemas.microsoft.com/office/drawing/2014/main" id="{DB79E44A-4484-B4B8-1729-A75FE2AF626E}"/>
               </a:ext>
             </a:extLst>
           </p:cNvPr>
@@ -2062,7 +2062,7 @@
           <a:bodyPr/>
           <a:lstStyle/>
           <a:p>
-            <a:fld id="{384EF6C4-81A5-4484-8A4C-736EBDDF6E28}" type="datetimeFigureOut">
+            <a:fld id="{6529B5E2-645E-4A9C-851D-99D783502959}" type="datetimeFigureOut">
               <a:rPr lang="zh-CN" altLang="en-US" smtClean="0"/>
               <a:t>2024/3/10</a:t>
             </a:fld>
@@ -2075,7 +2075,7 @@
           <p:cNvPr id="3" name="页脚占位符 2">
             <a:extLst>
               <a:ext uri="{FF2B5EF4-FFF2-40B4-BE49-F238E27FC236}">
-                <a16:creationId xmlns:a16="http://schemas.microsoft.com/office/drawing/2014/main" id="{A5BAFB02-7861-54E5-E8FC-750A03627CDD}"/>
+                <a16:creationId xmlns:a16="http://schemas.microsoft.com/office/drawing/2014/main" id="{092BFE5B-6FAB-7B04-2B6E-3C861349957D}"/>
               </a:ext>
             </a:extLst>
           </p:cNvPr>
@@ -2100,7 +2100,7 @@
           <p:cNvPr id="4" name="灯片编号占位符 3">
             <a:extLst>
               <a:ext uri="{FF2B5EF4-FFF2-40B4-BE49-F238E27FC236}">
-                <a16:creationId xmlns:a16="http://schemas.microsoft.com/office/drawing/2014/main" id="{07FA77A6-60E8-9A12-AFAD-A3271C5B4732}"/>
+                <a16:creationId xmlns:a16="http://schemas.microsoft.com/office/drawing/2014/main" id="{E42A974F-ABBB-D548-B8E4-59A008573E4C}"/>
               </a:ext>
             </a:extLst>
           </p:cNvPr>
@@ -2116,7 +2116,7 @@
           <a:bodyPr/>
           <a:lstStyle/>
           <a:p>
-            <a:fld id="{C474EB57-6483-4227-842E-6A41ECDF3470}" type="slidenum">
+            <a:fld id="{0AA50779-ED55-41A6-8474-0B612144268D}" type="slidenum">
               <a:rPr lang="zh-CN" altLang="en-US" smtClean="0"/>
               <a:t>‹#›</a:t>
             </a:fld>
@@ -2127,7 +2127,7 @@
     </p:spTree>
     <p:extLst>
       <p:ext uri="{BB962C8B-B14F-4D97-AF65-F5344CB8AC3E}">
-        <p14:creationId xmlns:p14="http://schemas.microsoft.com/office/powerpoint/2010/main" val="2980736655"/>
+        <p14:creationId xmlns:p14="http://schemas.microsoft.com/office/powerpoint/2010/main" val="3622746776"/>
       </p:ext>
     </p:extLst>
   </p:cSld>
@@ -2159,7 +2159,7 @@
           <p:cNvPr id="2" name="标题 1">
             <a:extLst>
               <a:ext uri="{FF2B5EF4-FFF2-40B4-BE49-F238E27FC236}">
-                <a16:creationId xmlns:a16="http://schemas.microsoft.com/office/drawing/2014/main" id="{FCC66422-38E5-8C8F-C787-AA502C227CD9}"/>
+                <a16:creationId xmlns:a16="http://schemas.microsoft.com/office/drawing/2014/main" id="{200A6B88-A742-B6D9-708B-A0D551B4BCB3}"/>
               </a:ext>
             </a:extLst>
           </p:cNvPr>
@@ -2196,7 +2196,7 @@
           <p:cNvPr id="3" name="内容占位符 2">
             <a:extLst>
               <a:ext uri="{FF2B5EF4-FFF2-40B4-BE49-F238E27FC236}">
-                <a16:creationId xmlns:a16="http://schemas.microsoft.com/office/drawing/2014/main" id="{8355E572-AE82-45B8-5BCB-14AD2C39A0CE}"/>
+                <a16:creationId xmlns:a16="http://schemas.microsoft.com/office/drawing/2014/main" id="{D23A9890-6E46-333C-95E6-F55A2F55020F}"/>
               </a:ext>
             </a:extLst>
           </p:cNvPr>
@@ -2286,7 +2286,7 @@
           <p:cNvPr id="4" name="文本占位符 3">
             <a:extLst>
               <a:ext uri="{FF2B5EF4-FFF2-40B4-BE49-F238E27FC236}">
-                <a16:creationId xmlns:a16="http://schemas.microsoft.com/office/drawing/2014/main" id="{B7663B2A-413C-007F-1E6A-8DFDE7AAF63F}"/>
+                <a16:creationId xmlns:a16="http://schemas.microsoft.com/office/drawing/2014/main" id="{F4A4A34B-8AC6-1113-9621-1FAD5327F202}"/>
               </a:ext>
             </a:extLst>
           </p:cNvPr>
@@ -2357,7 +2357,7 @@
           <p:cNvPr id="5" name="日期占位符 4">
             <a:extLst>
               <a:ext uri="{FF2B5EF4-FFF2-40B4-BE49-F238E27FC236}">
-                <a16:creationId xmlns:a16="http://schemas.microsoft.com/office/drawing/2014/main" id="{A3B48C4B-4A60-EDBE-B7BD-53A6050213FA}"/>
+                <a16:creationId xmlns:a16="http://schemas.microsoft.com/office/drawing/2014/main" id="{D62DBE96-B03E-DB62-A001-E31F14F0FD45}"/>
               </a:ext>
             </a:extLst>
           </p:cNvPr>
@@ -2373,7 +2373,7 @@
           <a:bodyPr/>
           <a:lstStyle/>
           <a:p>
-            <a:fld id="{384EF6C4-81A5-4484-8A4C-736EBDDF6E28}" type="datetimeFigureOut">
+            <a:fld id="{6529B5E2-645E-4A9C-851D-99D783502959}" type="datetimeFigureOut">
               <a:rPr lang="zh-CN" altLang="en-US" smtClean="0"/>
               <a:t>2024/3/10</a:t>
             </a:fld>
@@ -2386,7 +2386,7 @@
           <p:cNvPr id="6" name="页脚占位符 5">
             <a:extLst>
               <a:ext uri="{FF2B5EF4-FFF2-40B4-BE49-F238E27FC236}">
-                <a16:creationId xmlns:a16="http://schemas.microsoft.com/office/drawing/2014/main" id="{A8EE7130-73EB-02DF-3AF9-0F1E94A4BE6E}"/>
+                <a16:creationId xmlns:a16="http://schemas.microsoft.com/office/drawing/2014/main" id="{1695E4B2-DB3F-B8E5-1847-20B47B2987A9}"/>
               </a:ext>
             </a:extLst>
           </p:cNvPr>
@@ -2411,7 +2411,7 @@
           <p:cNvPr id="7" name="灯片编号占位符 6">
             <a:extLst>
               <a:ext uri="{FF2B5EF4-FFF2-40B4-BE49-F238E27FC236}">
-                <a16:creationId xmlns:a16="http://schemas.microsoft.com/office/drawing/2014/main" id="{906C8439-F9BD-8223-475F-46160E196A6A}"/>
+                <a16:creationId xmlns:a16="http://schemas.microsoft.com/office/drawing/2014/main" id="{5A7CB8F5-82BB-F024-C5C1-A74F3DB3DB9D}"/>
               </a:ext>
             </a:extLst>
           </p:cNvPr>
@@ -2427,7 +2427,7 @@
           <a:bodyPr/>
           <a:lstStyle/>
           <a:p>
-            <a:fld id="{C474EB57-6483-4227-842E-6A41ECDF3470}" type="slidenum">
+            <a:fld id="{0AA50779-ED55-41A6-8474-0B612144268D}" type="slidenum">
               <a:rPr lang="zh-CN" altLang="en-US" smtClean="0"/>
               <a:t>‹#›</a:t>
             </a:fld>
@@ -2438,7 +2438,7 @@
     </p:spTree>
     <p:extLst>
       <p:ext uri="{BB962C8B-B14F-4D97-AF65-F5344CB8AC3E}">
-        <p14:creationId xmlns:p14="http://schemas.microsoft.com/office/powerpoint/2010/main" val="3458199947"/>
+        <p14:creationId xmlns:p14="http://schemas.microsoft.com/office/powerpoint/2010/main" val="1356296689"/>
       </p:ext>
     </p:extLst>
   </p:cSld>
@@ -2470,7 +2470,7 @@
           <p:cNvPr id="2" name="标题 1">
             <a:extLst>
               <a:ext uri="{FF2B5EF4-FFF2-40B4-BE49-F238E27FC236}">
-                <a16:creationId xmlns:a16="http://schemas.microsoft.com/office/drawing/2014/main" id="{B9204310-2044-7FC6-C07E-0337E934CA61}"/>
+                <a16:creationId xmlns:a16="http://schemas.microsoft.com/office/drawing/2014/main" id="{F8907D98-D587-602F-42CA-D59678E8DD7D}"/>
               </a:ext>
             </a:extLst>
           </p:cNvPr>
@@ -2507,7 +2507,7 @@
           <p:cNvPr id="3" name="图片占位符 2">
             <a:extLst>
               <a:ext uri="{FF2B5EF4-FFF2-40B4-BE49-F238E27FC236}">
-                <a16:creationId xmlns:a16="http://schemas.microsoft.com/office/drawing/2014/main" id="{E3CA8EC7-D929-4194-F0F3-E065F34D3135}"/>
+                <a16:creationId xmlns:a16="http://schemas.microsoft.com/office/drawing/2014/main" id="{19BC4670-6AC4-891B-5F9A-1DF524328D5B}"/>
               </a:ext>
             </a:extLst>
           </p:cNvPr>
@@ -2574,7 +2574,7 @@
           <p:cNvPr id="4" name="文本占位符 3">
             <a:extLst>
               <a:ext uri="{FF2B5EF4-FFF2-40B4-BE49-F238E27FC236}">
-                <a16:creationId xmlns:a16="http://schemas.microsoft.com/office/drawing/2014/main" id="{DDC8900A-096A-59F6-22BD-461736791614}"/>
+                <a16:creationId xmlns:a16="http://schemas.microsoft.com/office/drawing/2014/main" id="{78FA0F92-1C84-335F-8592-06DD1CC44951}"/>
               </a:ext>
             </a:extLst>
           </p:cNvPr>
@@ -2645,7 +2645,7 @@
           <p:cNvPr id="5" name="日期占位符 4">
             <a:extLst>
               <a:ext uri="{FF2B5EF4-FFF2-40B4-BE49-F238E27FC236}">
-                <a16:creationId xmlns:a16="http://schemas.microsoft.com/office/drawing/2014/main" id="{F56AC397-37C2-4916-177D-2BFCFCC5D105}"/>
+                <a16:creationId xmlns:a16="http://schemas.microsoft.com/office/drawing/2014/main" id="{2A393DF5-C2CF-D597-2DDE-CC07890C1034}"/>
               </a:ext>
             </a:extLst>
           </p:cNvPr>
@@ -2661,7 +2661,7 @@
           <a:bodyPr/>
           <a:lstStyle/>
           <a:p>
-            <a:fld id="{384EF6C4-81A5-4484-8A4C-736EBDDF6E28}" type="datetimeFigureOut">
+            <a:fld id="{6529B5E2-645E-4A9C-851D-99D783502959}" type="datetimeFigureOut">
               <a:rPr lang="zh-CN" altLang="en-US" smtClean="0"/>
               <a:t>2024/3/10</a:t>
             </a:fld>
@@ -2674,7 +2674,7 @@
           <p:cNvPr id="6" name="页脚占位符 5">
             <a:extLst>
               <a:ext uri="{FF2B5EF4-FFF2-40B4-BE49-F238E27FC236}">
-                <a16:creationId xmlns:a16="http://schemas.microsoft.com/office/drawing/2014/main" id="{230BE58E-F767-4196-9E54-8F5DABEBF85A}"/>
+                <a16:creationId xmlns:a16="http://schemas.microsoft.com/office/drawing/2014/main" id="{B167784B-AFE5-148D-8ABE-59F174B7D36F}"/>
               </a:ext>
             </a:extLst>
           </p:cNvPr>
@@ -2699,7 +2699,7 @@
           <p:cNvPr id="7" name="灯片编号占位符 6">
             <a:extLst>
               <a:ext uri="{FF2B5EF4-FFF2-40B4-BE49-F238E27FC236}">
-                <a16:creationId xmlns:a16="http://schemas.microsoft.com/office/drawing/2014/main" id="{BC76136F-97FC-41D4-6C8F-88DD2915E304}"/>
+                <a16:creationId xmlns:a16="http://schemas.microsoft.com/office/drawing/2014/main" id="{C4DB9324-049A-EF3D-1215-18ECEE5E4B46}"/>
               </a:ext>
             </a:extLst>
           </p:cNvPr>
@@ -2715,7 +2715,7 @@
           <a:bodyPr/>
           <a:lstStyle/>
           <a:p>
-            <a:fld id="{C474EB57-6483-4227-842E-6A41ECDF3470}" type="slidenum">
+            <a:fld id="{0AA50779-ED55-41A6-8474-0B612144268D}" type="slidenum">
               <a:rPr lang="zh-CN" altLang="en-US" smtClean="0"/>
               <a:t>‹#›</a:t>
             </a:fld>
@@ -2726,7 +2726,7 @@
     </p:spTree>
     <p:extLst>
       <p:ext uri="{BB962C8B-B14F-4D97-AF65-F5344CB8AC3E}">
-        <p14:creationId xmlns:p14="http://schemas.microsoft.com/office/powerpoint/2010/main" val="3957721977"/>
+        <p14:creationId xmlns:p14="http://schemas.microsoft.com/office/powerpoint/2010/main" val="5056280"/>
       </p:ext>
     </p:extLst>
   </p:cSld>
@@ -2763,7 +2763,7 @@
           <p:cNvPr id="2" name="标题占位符 1">
             <a:extLst>
               <a:ext uri="{FF2B5EF4-FFF2-40B4-BE49-F238E27FC236}">
-                <a16:creationId xmlns:a16="http://schemas.microsoft.com/office/drawing/2014/main" id="{785B2F1C-4D79-46B3-A9FA-0F381959A3E9}"/>
+                <a16:creationId xmlns:a16="http://schemas.microsoft.com/office/drawing/2014/main" id="{0815985A-82D2-9255-C4F2-51627A5D4CD4}"/>
               </a:ext>
             </a:extLst>
           </p:cNvPr>
@@ -2801,7 +2801,7 @@
           <p:cNvPr id="3" name="文本占位符 2">
             <a:extLst>
               <a:ext uri="{FF2B5EF4-FFF2-40B4-BE49-F238E27FC236}">
-                <a16:creationId xmlns:a16="http://schemas.microsoft.com/office/drawing/2014/main" id="{08DEA707-A2DF-C41C-8CB0-DD7C1E57E02A}"/>
+                <a16:creationId xmlns:a16="http://schemas.microsoft.com/office/drawing/2014/main" id="{FE2F83F6-D771-F15B-C153-5BA89FC8047B}"/>
               </a:ext>
             </a:extLst>
           </p:cNvPr>
@@ -2868,7 +2868,7 @@
           <p:cNvPr id="4" name="日期占位符 3">
             <a:extLst>
               <a:ext uri="{FF2B5EF4-FFF2-40B4-BE49-F238E27FC236}">
-                <a16:creationId xmlns:a16="http://schemas.microsoft.com/office/drawing/2014/main" id="{ABF0A040-3F3F-CB3C-484A-5DCB006CAA5F}"/>
+                <a16:creationId xmlns:a16="http://schemas.microsoft.com/office/drawing/2014/main" id="{43F0B839-C6A0-E993-9756-E8003A09F5AC}"/>
               </a:ext>
             </a:extLst>
           </p:cNvPr>
@@ -2902,7 +2902,7 @@
             </a:lvl1pPr>
           </a:lstStyle>
           <a:p>
-            <a:fld id="{384EF6C4-81A5-4484-8A4C-736EBDDF6E28}" type="datetimeFigureOut">
+            <a:fld id="{6529B5E2-645E-4A9C-851D-99D783502959}" type="datetimeFigureOut">
               <a:rPr lang="zh-CN" altLang="en-US" smtClean="0"/>
               <a:t>2024/3/10</a:t>
             </a:fld>
@@ -2915,7 +2915,7 @@
           <p:cNvPr id="5" name="页脚占位符 4">
             <a:extLst>
               <a:ext uri="{FF2B5EF4-FFF2-40B4-BE49-F238E27FC236}">
-                <a16:creationId xmlns:a16="http://schemas.microsoft.com/office/drawing/2014/main" id="{A3F5003A-C84E-C448-0CBA-0FB3AF6E81D1}"/>
+                <a16:creationId xmlns:a16="http://schemas.microsoft.com/office/drawing/2014/main" id="{1FAA4466-0FB6-D334-8A46-0609A0F1D878}"/>
               </a:ext>
             </a:extLst>
           </p:cNvPr>
@@ -2958,7 +2958,7 @@
           <p:cNvPr id="6" name="灯片编号占位符 5">
             <a:extLst>
               <a:ext uri="{FF2B5EF4-FFF2-40B4-BE49-F238E27FC236}">
-                <a16:creationId xmlns:a16="http://schemas.microsoft.com/office/drawing/2014/main" id="{F2AC0E2D-6958-4C2C-D796-06590377C3DF}"/>
+                <a16:creationId xmlns:a16="http://schemas.microsoft.com/office/drawing/2014/main" id="{AB2ABF50-498B-D9F6-F528-D9161514F877}"/>
               </a:ext>
             </a:extLst>
           </p:cNvPr>
@@ -2992,7 +2992,7 @@
             </a:lvl1pPr>
           </a:lstStyle>
           <a:p>
-            <a:fld id="{C474EB57-6483-4227-842E-6A41ECDF3470}" type="slidenum">
+            <a:fld id="{0AA50779-ED55-41A6-8474-0B612144268D}" type="slidenum">
               <a:rPr lang="zh-CN" altLang="en-US" smtClean="0"/>
               <a:t>‹#›</a:t>
             </a:fld>
@@ -3003,7 +3003,7 @@
     </p:spTree>
     <p:extLst>
       <p:ext uri="{BB962C8B-B14F-4D97-AF65-F5344CB8AC3E}">
-        <p14:creationId xmlns:p14="http://schemas.microsoft.com/office/powerpoint/2010/main" val="1593344634"/>
+        <p14:creationId xmlns:p14="http://schemas.microsoft.com/office/powerpoint/2010/main" val="1056028693"/>
       </p:ext>
     </p:extLst>
   </p:cSld>
@@ -3323,7 +3323,7 @@
       </p:grpSpPr>
       <p:pic>
         <p:nvPicPr>
-          <p:cNvPr id="1356802" name="Picture 2" descr="1324"/>
+          <p:cNvPr id="1357826" name="Picture 2" descr="1325"/>
           <p:cNvPicPr>
             <a:picLocks noChangeAspect="1" noChangeArrowheads="1"/>
           </p:cNvPicPr>
@@ -3345,7 +3345,7 @@
         <p:spPr bwMode="auto">
           <a:xfrm>
             <a:off x="1524000" y="0"/>
-            <a:ext cx="9144000" cy="6381750"/>
+            <a:ext cx="9144000" cy="6858000"/>
           </a:xfrm>
           <a:prstGeom prst="rect">
             <a:avLst/>
